--- a/docs/capstone.pptx
+++ b/docs/capstone.pptx
@@ -145,14 +145,6 @@
 </p:presentation>
 </file>
 
-<file path=ppt/revisionInfo.xml><?xml version="1.0" encoding="utf-8"?>
-<p1510:revInfo xmlns:a="http://schemas.openxmlformats.org/drawingml/2006/main" xmlns:r="http://schemas.openxmlformats.org/officeDocument/2006/relationships" xmlns:p1510="http://schemas.microsoft.com/office/powerpoint/2015/10/main">
-  <p1510:revLst>
-    <p1510:client id="{5CC57E1C-29B6-48E8-8960-45908B0F668B}" v="84" dt="2023-08-01T22:22:37.970"/>
-  </p1510:revLst>
-</p1510:revInfo>
-</file>
-
 <file path=ppt/slideLayouts/slideLayout1.xml><?xml version="1.0" encoding="utf-8"?>
 <p:sldLayout xmlns:a="http://schemas.openxmlformats.org/drawingml/2006/main" xmlns:r="http://schemas.openxmlformats.org/officeDocument/2006/relationships" xmlns:p="http://schemas.openxmlformats.org/presentationml/2006/main" type="title" preserve="1">
   <p:cSld name="Title Slide">
@@ -332,7 +324,7 @@
           <a:p>
             <a:fld id="{7463C41C-A487-0C45-A261-16903102544D}" type="datetimeFigureOut">
               <a:rPr lang="en-US" smtClean="0"/>
-              <a:t>7/31/2023</a:t>
+              <a:t>8/14/2023</a:t>
             </a:fld>
             <a:endParaRPr lang="en-US"/>
           </a:p>
@@ -480,7 +472,7 @@
           <a:p>
             <a:fld id="{7463C41C-A487-0C45-A261-16903102544D}" type="datetimeFigureOut">
               <a:rPr lang="en-US" smtClean="0"/>
-              <a:t>7/31/2023</a:t>
+              <a:t>8/14/2023</a:t>
             </a:fld>
             <a:endParaRPr lang="en-US"/>
           </a:p>
@@ -705,7 +697,7 @@
           <a:p>
             <a:fld id="{7463C41C-A487-0C45-A261-16903102544D}" type="datetimeFigureOut">
               <a:rPr lang="en-US" smtClean="0"/>
-              <a:t>7/31/2023</a:t>
+              <a:t>8/14/2023</a:t>
             </a:fld>
             <a:endParaRPr lang="en-US"/>
           </a:p>
@@ -970,7 +962,7 @@
           <a:p>
             <a:fld id="{7463C41C-A487-0C45-A261-16903102544D}" type="datetimeFigureOut">
               <a:rPr lang="en-US" smtClean="0"/>
-              <a:t>7/31/2023</a:t>
+              <a:t>8/14/2023</a:t>
             </a:fld>
             <a:endParaRPr lang="en-US"/>
           </a:p>
@@ -1369,7 +1361,7 @@
           <a:p>
             <a:fld id="{7463C41C-A487-0C45-A261-16903102544D}" type="datetimeFigureOut">
               <a:rPr lang="en-US" smtClean="0"/>
-              <a:t>7/31/2023</a:t>
+              <a:t>8/14/2023</a:t>
             </a:fld>
             <a:endParaRPr lang="en-US"/>
           </a:p>
@@ -1466,7 +1458,7 @@
           <a:p>
             <a:fld id="{7463C41C-A487-0C45-A261-16903102544D}" type="datetimeFigureOut">
               <a:rPr lang="en-US" smtClean="0"/>
-              <a:t>7/31/2023</a:t>
+              <a:t>8/14/2023</a:t>
             </a:fld>
             <a:endParaRPr lang="en-US"/>
           </a:p>
@@ -1541,7 +1533,7 @@
           <a:p>
             <a:fld id="{7463C41C-A487-0C45-A261-16903102544D}" type="datetimeFigureOut">
               <a:rPr lang="en-US" smtClean="0"/>
-              <a:t>7/31/2023</a:t>
+              <a:t>8/14/2023</a:t>
             </a:fld>
             <a:endParaRPr lang="en-US"/>
           </a:p>
@@ -1796,7 +1788,7 @@
           <a:p>
             <a:fld id="{7463C41C-A487-0C45-A261-16903102544D}" type="datetimeFigureOut">
               <a:rPr lang="en-US" smtClean="0"/>
-              <a:t>7/31/2023</a:t>
+              <a:t>8/14/2023</a:t>
             </a:fld>
             <a:endParaRPr lang="en-US"/>
           </a:p>
@@ -2028,9 +2020,12 @@
 <p:sldMaster xmlns:a="http://schemas.openxmlformats.org/drawingml/2006/main" xmlns:r="http://schemas.openxmlformats.org/officeDocument/2006/relationships" xmlns:p="http://schemas.openxmlformats.org/presentationml/2006/main">
   <p:cSld>
     <p:bg>
-      <p:bgRef idx="1001">
-        <a:schemeClr val="bg1"/>
-      </p:bgRef>
+      <p:bgPr>
+        <a:solidFill>
+          <a:srgbClr val="E8E8E4"/>
+        </a:solidFill>
+        <a:effectLst/>
+      </p:bgPr>
     </p:bg>
     <p:spTree>
       <p:nvGrpSpPr>
@@ -2174,7 +2169,7 @@
           <a:p>
             <a:fld id="{7463C41C-A487-0C45-A261-16903102544D}" type="datetimeFigureOut">
               <a:rPr lang="en-US" smtClean="0"/>
-              <a:t>7/31/2023</a:t>
+              <a:t>8/14/2023</a:t>
             </a:fld>
             <a:endParaRPr lang="en-US"/>
           </a:p>
@@ -2589,6 +2584,14 @@
 <file path=ppt/slides/slide1.xml><?xml version="1.0" encoding="utf-8"?>
 <p:sld xmlns:a="http://schemas.openxmlformats.org/drawingml/2006/main" xmlns:r="http://schemas.openxmlformats.org/officeDocument/2006/relationships" xmlns:p="http://schemas.openxmlformats.org/presentationml/2006/main">
   <p:cSld>
+    <p:bg>
+      <p:bgPr>
+        <a:solidFill>
+          <a:srgbClr val="E8E8E4"/>
+        </a:solidFill>
+        <a:effectLst/>
+      </p:bgPr>
+    </p:bg>
     <p:spTree>
       <p:nvGrpSpPr>
         <p:cNvPr id="1" name=""/>
@@ -2603,6 +2606,51 @@
           <a:chExt cx="0" cy="0"/>
         </a:xfrm>
       </p:grpSpPr>
+      <p:pic>
+        <p:nvPicPr>
+          <p:cNvPr id="1026" name="Picture 2">
+            <a:extLst>
+              <a:ext uri="{FF2B5EF4-FFF2-40B4-BE49-F238E27FC236}">
+                <a16:creationId xmlns:a16="http://schemas.microsoft.com/office/drawing/2014/main" id="{BFAB2BEE-D2F7-7FFD-E9CF-263B39EA7629}"/>
+              </a:ext>
+            </a:extLst>
+          </p:cNvPr>
+          <p:cNvPicPr>
+            <a:picLocks noChangeAspect="1" noChangeArrowheads="1"/>
+          </p:cNvPicPr>
+          <p:nvPr/>
+        </p:nvPicPr>
+        <p:blipFill rotWithShape="1">
+          <a:blip r:embed="rId2">
+            <a:extLst>
+              <a:ext uri="{28A0092B-C50C-407E-A947-70E740481C1C}">
+                <a14:useLocalDpi xmlns:a14="http://schemas.microsoft.com/office/drawing/2010/main" val="0"/>
+              </a:ext>
+            </a:extLst>
+          </a:blip>
+          <a:srcRect l="12772" r="8117"/>
+          <a:stretch/>
+        </p:blipFill>
+        <p:spPr bwMode="auto">
+          <a:xfrm>
+            <a:off x="3717574" y="568800"/>
+            <a:ext cx="5426426" cy="4574700"/>
+          </a:xfrm>
+          <a:prstGeom prst="rect">
+            <a:avLst/>
+          </a:prstGeom>
+          <a:noFill/>
+          <a:extLst>
+            <a:ext uri="{909E8E84-426E-40DD-AFC4-6F175D3DCCD1}">
+              <a14:hiddenFill xmlns:a14="http://schemas.microsoft.com/office/drawing/2010/main">
+                <a:solidFill>
+                  <a:srgbClr val="FFFFFF"/>
+                </a:solidFill>
+              </a14:hiddenFill>
+            </a:ext>
+          </a:extLst>
+        </p:spPr>
+      </p:pic>
       <p:sp>
         <p:nvSpPr>
           <p:cNvPr id="2" name="Title 1"/>
@@ -2615,20 +2663,27 @@
         </p:nvSpPr>
         <p:spPr>
           <a:xfrm>
-            <a:off x="1447200" y="1597819"/>
-            <a:ext cx="7011000" cy="1102519"/>
+            <a:off x="266400" y="654619"/>
+            <a:ext cx="3304800" cy="3132581"/>
           </a:xfrm>
         </p:spPr>
         <p:txBody>
           <a:bodyPr>
-            <a:normAutofit fontScale="90000"/>
+            <a:normAutofit/>
           </a:bodyPr>
           <a:lstStyle/>
           <a:p>
-            <a:pPr algn="l"/>
-            <a:r>
-              <a:rPr lang="en-US" dirty="0"/>
-              <a:t>Using Machine Learning to Analyze Airbnb Prices</a:t>
+            <a:pPr algn="r"/>
+            <a:r>
+              <a:rPr lang="en-US" sz="3600" dirty="0">
+                <a:solidFill>
+                  <a:schemeClr val="tx1">
+                    <a:lumMod val="75000"/>
+                    <a:lumOff val="25000"/>
+                  </a:schemeClr>
+                </a:solidFill>
+              </a:rPr>
+              <a:t>Using Machine Learning to Analyze Airbnb Price</a:t>
             </a:r>
           </a:p>
         </p:txBody>
@@ -2645,27 +2700,55 @@
         </p:nvSpPr>
         <p:spPr>
           <a:xfrm>
-            <a:off x="1447200" y="3283200"/>
-            <a:ext cx="6400800" cy="864000"/>
+            <a:off x="266400" y="3787200"/>
+            <a:ext cx="3304800" cy="864000"/>
           </a:xfrm>
         </p:spPr>
         <p:txBody>
           <a:bodyPr>
-            <a:normAutofit/>
+            <a:normAutofit fontScale="85000" lnSpcReduction="20000"/>
           </a:bodyPr>
           <a:lstStyle/>
           <a:p>
-            <a:pPr algn="l"/>
-            <a:r>
-              <a:rPr lang="en-US" sz="2000" dirty="0"/>
+            <a:pPr algn="r"/>
+            <a:r>
+              <a:rPr lang="en-US" sz="2000" dirty="0">
+                <a:solidFill>
+                  <a:schemeClr val="tx1">
+                    <a:lumMod val="75000"/>
+                    <a:lumOff val="25000"/>
+                  </a:schemeClr>
+                </a:solidFill>
+              </a:rPr>
               <a:t>Victoria Borsetti</a:t>
             </a:r>
           </a:p>
           <a:p>
-            <a:pPr algn="l"/>
-            <a:r>
-              <a:rPr lang="en-US" sz="2000" dirty="0"/>
-              <a:t>DATA606: Capstone Summer 2023</a:t>
+            <a:pPr algn="r"/>
+            <a:r>
+              <a:rPr lang="en-US" sz="2000" dirty="0">
+                <a:solidFill>
+                  <a:schemeClr val="tx1">
+                    <a:lumMod val="75000"/>
+                    <a:lumOff val="25000"/>
+                  </a:schemeClr>
+                </a:solidFill>
+              </a:rPr>
+              <a:t>Data Science Capstone</a:t>
+            </a:r>
+          </a:p>
+          <a:p>
+            <a:pPr algn="r"/>
+            <a:r>
+              <a:rPr lang="en-US" sz="2000" dirty="0">
+                <a:solidFill>
+                  <a:schemeClr val="tx1">
+                    <a:lumMod val="75000"/>
+                    <a:lumOff val="25000"/>
+                  </a:schemeClr>
+                </a:solidFill>
+              </a:rPr>
+              <a:t>Summer 2023</a:t>
             </a:r>
           </a:p>
         </p:txBody>
@@ -4507,54 +4590,15 @@
         </p:nvSpPr>
         <p:spPr>
           <a:xfrm>
-            <a:off x="457200" y="1610179"/>
-            <a:ext cx="8092440" cy="3198041"/>
+            <a:off x="4687200" y="1610179"/>
+            <a:ext cx="3862440" cy="3198041"/>
           </a:xfrm>
         </p:spPr>
         <p:txBody>
           <a:bodyPr>
-            <a:normAutofit fontScale="55000" lnSpcReduction="20000"/>
+            <a:normAutofit fontScale="62500" lnSpcReduction="20000"/>
           </a:bodyPr>
           <a:lstStyle/>
-          <a:p>
-            <a:pPr marL="0" indent="0">
-              <a:buNone/>
-            </a:pPr>
-            <a:r>
-              <a:rPr lang="en-US" dirty="0"/>
-              <a:t>The features that influenced price the most are the following:</a:t>
-            </a:r>
-          </a:p>
-          <a:p>
-            <a:pPr marL="0" indent="0">
-              <a:buNone/>
-            </a:pPr>
-            <a:endParaRPr lang="en-US" dirty="0"/>
-          </a:p>
-          <a:p>
-            <a:pPr marL="0" indent="0">
-              <a:buNone/>
-            </a:pPr>
-            <a:endParaRPr lang="en-US" dirty="0"/>
-          </a:p>
-          <a:p>
-            <a:pPr marL="0" indent="0">
-              <a:buNone/>
-            </a:pPr>
-            <a:endParaRPr lang="en-US" dirty="0"/>
-          </a:p>
-          <a:p>
-            <a:pPr marL="0" indent="0">
-              <a:buNone/>
-            </a:pPr>
-            <a:endParaRPr lang="en-US" dirty="0"/>
-          </a:p>
-          <a:p>
-            <a:pPr marL="0" indent="0">
-              <a:buNone/>
-            </a:pPr>
-            <a:endParaRPr lang="en-US" dirty="0"/>
-          </a:p>
           <a:p>
             <a:pPr marL="0" indent="0">
               <a:buNone/>
@@ -4592,15 +4636,7 @@
             </a:pPr>
             <a:r>
               <a:rPr lang="en-US" sz="2900" dirty="0"/>
-              <a:t>Since booking rate was not an option, number of reviews in the last 12 months and availability in the next 30 days gave a </a:t>
-            </a:r>
-            <a:r>
-              <a:rPr lang="en-US" sz="2900" dirty="0" err="1"/>
-              <a:t>glipse</a:t>
-            </a:r>
-            <a:r>
-              <a:rPr lang="en-US" sz="2900" dirty="0"/>
-              <a:t> into how in-demand an Airbnb is.</a:t>
+              <a:t>Since booking rate was not an option, number of reviews in the last 12 months and availability in the next 30 days gave a glimpse into how in-demand an Airbnb is.</a:t>
             </a:r>
           </a:p>
           <a:p>
@@ -4620,10 +4656,10 @@
       </p:sp>
       <p:pic>
         <p:nvPicPr>
-          <p:cNvPr id="10" name="Picture 9">
+          <p:cNvPr id="4" name="Picture 3">
             <a:extLst>
               <a:ext uri="{FF2B5EF4-FFF2-40B4-BE49-F238E27FC236}">
-                <a16:creationId xmlns:a16="http://schemas.microsoft.com/office/drawing/2014/main" id="{F1B59FB2-2EF1-073B-FBF1-1F49E5DB1E1F}"/>
+                <a16:creationId xmlns:a16="http://schemas.microsoft.com/office/drawing/2014/main" id="{3AE93C94-318A-2419-ECCC-31631B2F4B26}"/>
               </a:ext>
             </a:extLst>
           </p:cNvPr>
@@ -4640,14 +4676,52 @@
         </p:blipFill>
         <p:spPr>
           <a:xfrm>
-            <a:off x="457200" y="2074278"/>
-            <a:ext cx="8229600" cy="994943"/>
+            <a:off x="594360" y="2146928"/>
+            <a:ext cx="2867425" cy="2534004"/>
           </a:xfrm>
           <a:prstGeom prst="rect">
             <a:avLst/>
           </a:prstGeom>
         </p:spPr>
       </p:pic>
+      <p:sp>
+        <p:nvSpPr>
+          <p:cNvPr id="5" name="TextBox 4">
+            <a:extLst>
+              <a:ext uri="{FF2B5EF4-FFF2-40B4-BE49-F238E27FC236}">
+                <a16:creationId xmlns:a16="http://schemas.microsoft.com/office/drawing/2014/main" id="{8F0E7075-CC40-CEEA-E8F7-567B7DDA8042}"/>
+              </a:ext>
+            </a:extLst>
+          </p:cNvPr>
+          <p:cNvSpPr txBox="1"/>
+          <p:nvPr/>
+        </p:nvSpPr>
+        <p:spPr>
+          <a:xfrm>
+            <a:off x="534072" y="1521517"/>
+            <a:ext cx="2988000" cy="523220"/>
+          </a:xfrm>
+          <a:prstGeom prst="rect">
+            <a:avLst/>
+          </a:prstGeom>
+          <a:noFill/>
+        </p:spPr>
+        <p:txBody>
+          <a:bodyPr wrap="square" rtlCol="0">
+            <a:spAutoFit/>
+          </a:bodyPr>
+          <a:lstStyle/>
+          <a:p>
+            <a:pPr marL="0" indent="0" algn="ctr">
+              <a:buNone/>
+            </a:pPr>
+            <a:r>
+              <a:rPr lang="en-US" sz="1400" dirty="0"/>
+              <a:t>The features that influenced price the most and their importance:</a:t>
+            </a:r>
+          </a:p>
+        </p:txBody>
+      </p:sp>
     </p:spTree>
     <p:extLst>
       <p:ext uri="{BB962C8B-B14F-4D97-AF65-F5344CB8AC3E}">
@@ -5803,31 +5877,6 @@
           </a:p>
         </p:txBody>
       </p:sp>
-      <p:sp>
-        <p:nvSpPr>
-          <p:cNvPr id="3" name="Text Placeholder 2">
-            <a:extLst>
-              <a:ext uri="{FF2B5EF4-FFF2-40B4-BE49-F238E27FC236}">
-                <a16:creationId xmlns:a16="http://schemas.microsoft.com/office/drawing/2014/main" id="{73E0EE69-201A-901F-6F49-8A403FD017B7}"/>
-              </a:ext>
-            </a:extLst>
-          </p:cNvPr>
-          <p:cNvSpPr>
-            <a:spLocks noGrp="1"/>
-          </p:cNvSpPr>
-          <p:nvPr>
-            <p:ph type="body" idx="1"/>
-          </p:nvPr>
-        </p:nvSpPr>
-        <p:spPr/>
-        <p:txBody>
-          <a:bodyPr/>
-          <a:lstStyle/>
-          <a:p>
-            <a:endParaRPr lang="en-US"/>
-          </a:p>
-        </p:txBody>
-      </p:sp>
     </p:spTree>
     <p:extLst>
       <p:ext uri="{BB962C8B-B14F-4D97-AF65-F5344CB8AC3E}">
@@ -5904,13 +5953,13 @@
           <p:nvPr>
             <p:extLst>
               <p:ext uri="{D42A27DB-BD31-4B8C-83A1-F6EECF244321}">
-                <p14:modId xmlns:p14="http://schemas.microsoft.com/office/powerpoint/2010/main" val="3447040602"/>
+                <p14:modId xmlns:p14="http://schemas.microsoft.com/office/powerpoint/2010/main" val="1018753236"/>
               </p:ext>
             </p:extLst>
           </p:nvPr>
         </p:nvGraphicFramePr>
         <p:xfrm>
-          <a:off x="1866000" y="1697656"/>
+          <a:off x="1599600" y="2216056"/>
           <a:ext cx="5412000" cy="1726044"/>
         </p:xfrm>
         <a:graphic>
@@ -6679,7 +6728,7 @@
             </a:r>
             <a:r>
               <a:rPr lang="en-US" sz="1600" dirty="0"/>
-              <a:t> into Streamlit. Currently the model used is linear regression due to issues with requirements.txt for Streamlit</a:t>
+              <a:t> into Streamlit. Currently the model is using linear regression due to issues with requirements.txt for Streamlit</a:t>
             </a:r>
           </a:p>
           <a:p>
@@ -6849,7 +6898,7 @@
             </a:pPr>
             <a:r>
               <a:rPr lang="en-US" sz="2000" dirty="0"/>
-              <a:t>Google Maps API is not free!!</a:t>
+              <a:t>Google Maps API is not free!! Use small data samples to test approach.</a:t>
             </a:r>
           </a:p>
           <a:p>

--- a/docs/capstone.pptx
+++ b/docs/capstone.pptx
@@ -26,8 +26,8 @@
     <p:sldId id="278" r:id="rId20"/>
     <p:sldId id="263" r:id="rId21"/>
     <p:sldId id="279" r:id="rId22"/>
-    <p:sldId id="259" r:id="rId23"/>
-    <p:sldId id="270" r:id="rId24"/>
+    <p:sldId id="270" r:id="rId23"/>
+    <p:sldId id="259" r:id="rId24"/>
   </p:sldIdLst>
   <p:sldSz cx="9144000" cy="5143500" type="screen16x9"/>
   <p:notesSz cx="6858000" cy="9144000"/>
@@ -4590,8 +4590,8 @@
         </p:nvSpPr>
         <p:spPr>
           <a:xfrm>
-            <a:off x="4687200" y="1610179"/>
-            <a:ext cx="3862440" cy="3198041"/>
+            <a:off x="4572000" y="1521517"/>
+            <a:ext cx="3977640" cy="3286703"/>
           </a:xfrm>
         </p:spPr>
         <p:txBody>
@@ -4616,6 +4616,16 @@
             </a:pPr>
             <a:r>
               <a:rPr lang="en-US" sz="2900" dirty="0"/>
+              <a:t>14 total features</a:t>
+            </a:r>
+          </a:p>
+          <a:p>
+            <a:pPr>
+              <a:buFont typeface="Wingdings" panose="05000000000000000000" pitchFamily="2" charset="2"/>
+              <a:buChar char="§"/>
+            </a:pPr>
+            <a:r>
+              <a:rPr lang="en-US" sz="2900" dirty="0"/>
               <a:t>As expected, number of people the Airbnb accommodates, bedrooms, and bathrooms were drivers of price.</a:t>
             </a:r>
           </a:p>
@@ -4654,36 +4664,6 @@
           </a:p>
         </p:txBody>
       </p:sp>
-      <p:pic>
-        <p:nvPicPr>
-          <p:cNvPr id="4" name="Picture 3">
-            <a:extLst>
-              <a:ext uri="{FF2B5EF4-FFF2-40B4-BE49-F238E27FC236}">
-                <a16:creationId xmlns:a16="http://schemas.microsoft.com/office/drawing/2014/main" id="{3AE93C94-318A-2419-ECCC-31631B2F4B26}"/>
-              </a:ext>
-            </a:extLst>
-          </p:cNvPr>
-          <p:cNvPicPr>
-            <a:picLocks noChangeAspect="1"/>
-          </p:cNvPicPr>
-          <p:nvPr/>
-        </p:nvPicPr>
-        <p:blipFill>
-          <a:blip r:embed="rId2"/>
-          <a:stretch>
-            <a:fillRect/>
-          </a:stretch>
-        </p:blipFill>
-        <p:spPr>
-          <a:xfrm>
-            <a:off x="594360" y="2146928"/>
-            <a:ext cx="2867425" cy="2534004"/>
-          </a:xfrm>
-          <a:prstGeom prst="rect">
-            <a:avLst/>
-          </a:prstGeom>
-        </p:spPr>
-      </p:pic>
       <p:sp>
         <p:nvSpPr>
           <p:cNvPr id="5" name="TextBox 4">
@@ -4722,6 +4702,36 @@
           </a:p>
         </p:txBody>
       </p:sp>
+      <p:pic>
+        <p:nvPicPr>
+          <p:cNvPr id="8" name="Picture 7">
+            <a:extLst>
+              <a:ext uri="{FF2B5EF4-FFF2-40B4-BE49-F238E27FC236}">
+                <a16:creationId xmlns:a16="http://schemas.microsoft.com/office/drawing/2014/main" id="{B15E9491-414E-FDFE-E519-CB9407B5BE02}"/>
+              </a:ext>
+            </a:extLst>
+          </p:cNvPr>
+          <p:cNvPicPr>
+            <a:picLocks noChangeAspect="1"/>
+          </p:cNvPicPr>
+          <p:nvPr/>
+        </p:nvPicPr>
+        <p:blipFill>
+          <a:blip r:embed="rId2"/>
+          <a:stretch>
+            <a:fillRect/>
+          </a:stretch>
+        </p:blipFill>
+        <p:spPr>
+          <a:xfrm>
+            <a:off x="647417" y="2131321"/>
+            <a:ext cx="2758183" cy="2516395"/>
+          </a:xfrm>
+          <a:prstGeom prst="rect">
+            <a:avLst/>
+          </a:prstGeom>
+        </p:spPr>
+      </p:pic>
     </p:spTree>
     <p:extLst>
       <p:ext uri="{BB962C8B-B14F-4D97-AF65-F5344CB8AC3E}">
@@ -6660,184 +6670,6 @@
           <p:cNvPr id="2" name="Title 1">
             <a:extLst>
               <a:ext uri="{FF2B5EF4-FFF2-40B4-BE49-F238E27FC236}">
-                <a16:creationId xmlns:a16="http://schemas.microsoft.com/office/drawing/2014/main" id="{C0D683A7-2AE6-6524-061B-C6E02E589202}"/>
-              </a:ext>
-            </a:extLst>
-          </p:cNvPr>
-          <p:cNvSpPr>
-            <a:spLocks noGrp="1"/>
-          </p:cNvSpPr>
-          <p:nvPr>
-            <p:ph type="title"/>
-          </p:nvPr>
-        </p:nvSpPr>
-        <p:spPr/>
-        <p:txBody>
-          <a:bodyPr>
-            <a:normAutofit fontScale="90000"/>
-          </a:bodyPr>
-          <a:lstStyle/>
-          <a:p>
-            <a:pPr algn="l"/>
-            <a:r>
-              <a:rPr lang="en-US" dirty="0"/>
-              <a:t>Future Research</a:t>
-            </a:r>
-          </a:p>
-        </p:txBody>
-      </p:sp>
-      <p:sp>
-        <p:nvSpPr>
-          <p:cNvPr id="3" name="Content Placeholder 2">
-            <a:extLst>
-              <a:ext uri="{FF2B5EF4-FFF2-40B4-BE49-F238E27FC236}">
-                <a16:creationId xmlns:a16="http://schemas.microsoft.com/office/drawing/2014/main" id="{9003262B-1A5B-595A-9607-BAF14ECB56C9}"/>
-              </a:ext>
-            </a:extLst>
-          </p:cNvPr>
-          <p:cNvSpPr>
-            <a:spLocks noGrp="1"/>
-          </p:cNvSpPr>
-          <p:nvPr>
-            <p:ph idx="1"/>
-          </p:nvPr>
-        </p:nvSpPr>
-        <p:spPr>
-          <a:xfrm>
-            <a:off x="457200" y="1610178"/>
-            <a:ext cx="8229600" cy="3281862"/>
-          </a:xfrm>
-        </p:spPr>
-        <p:txBody>
-          <a:bodyPr>
-            <a:normAutofit lnSpcReduction="10000"/>
-          </a:bodyPr>
-          <a:lstStyle/>
-          <a:p>
-            <a:pPr>
-              <a:buFont typeface="Wingdings" panose="05000000000000000000" pitchFamily="2" charset="2"/>
-              <a:buChar char="§"/>
-            </a:pPr>
-            <a:r>
-              <a:rPr lang="en-US" sz="1600" dirty="0"/>
-              <a:t>Successfully import </a:t>
-            </a:r>
-            <a:r>
-              <a:rPr lang="en-US" sz="1600" dirty="0" err="1"/>
-              <a:t>LGBMRegressor</a:t>
-            </a:r>
-            <a:r>
-              <a:rPr lang="en-US" sz="1600" dirty="0"/>
-              <a:t> into Streamlit. Currently the model is using linear regression due to issues with requirements.txt for Streamlit</a:t>
-            </a:r>
-          </a:p>
-          <a:p>
-            <a:pPr>
-              <a:buFont typeface="Wingdings" panose="05000000000000000000" pitchFamily="2" charset="2"/>
-              <a:buChar char="§"/>
-            </a:pPr>
-            <a:r>
-              <a:rPr lang="en-US" sz="1600" dirty="0"/>
-              <a:t>In order to make this tool useful, more data is required to make it more accurate</a:t>
-            </a:r>
-          </a:p>
-          <a:p>
-            <a:pPr lvl="1">
-              <a:buFont typeface="Wingdings" panose="05000000000000000000" pitchFamily="2" charset="2"/>
-              <a:buChar char="§"/>
-            </a:pPr>
-            <a:r>
-              <a:rPr lang="en-US" sz="1400" dirty="0"/>
-              <a:t>This dataset is missing booking rate or any type of measure of how often it is booked vs available</a:t>
-            </a:r>
-          </a:p>
-          <a:p>
-            <a:pPr lvl="1">
-              <a:buFont typeface="Wingdings" panose="05000000000000000000" pitchFamily="2" charset="2"/>
-              <a:buChar char="§"/>
-            </a:pPr>
-            <a:r>
-              <a:rPr lang="en-US" sz="1400" dirty="0"/>
-              <a:t>Research into other ML Airbnb projects revealed the need to have data that reflects grandeur. One project attained an RMSE of $20.  This would include square footage, a pretty view, height of building, floor of apartment, esthetics, etc.</a:t>
-            </a:r>
-          </a:p>
-          <a:p>
-            <a:pPr lvl="1">
-              <a:buFont typeface="Wingdings" panose="05000000000000000000" pitchFamily="2" charset="2"/>
-              <a:buChar char="§"/>
-            </a:pPr>
-            <a:r>
-              <a:rPr lang="en-US" sz="1400" dirty="0"/>
-              <a:t>Unknowns like large variations in other fees including cleaning and admin fees from Airbnb could affect accuracy of this model</a:t>
-            </a:r>
-          </a:p>
-          <a:p>
-            <a:pPr>
-              <a:buFont typeface="Wingdings" panose="05000000000000000000" pitchFamily="2" charset="2"/>
-              <a:buChar char="§"/>
-            </a:pPr>
-            <a:r>
-              <a:rPr lang="en-US" sz="1600" dirty="0"/>
-              <a:t>Add other insights to the tool that display comparable listings, a range of prices (aggressive/competitive) so that investors can tailor to their renting strategy</a:t>
-            </a:r>
-          </a:p>
-          <a:p>
-            <a:pPr>
-              <a:buFont typeface="Wingdings" panose="05000000000000000000" pitchFamily="2" charset="2"/>
-              <a:buChar char="§"/>
-            </a:pPr>
-            <a:r>
-              <a:rPr lang="en-US" sz="1600" dirty="0"/>
-              <a:t>Scrape data weekly to get most up-to-date listing information</a:t>
-            </a:r>
-          </a:p>
-          <a:p>
-            <a:pPr>
-              <a:buFont typeface="Wingdings" panose="05000000000000000000" pitchFamily="2" charset="2"/>
-              <a:buChar char="§"/>
-            </a:pPr>
-            <a:r>
-              <a:rPr lang="en-US" sz="1600" dirty="0"/>
-              <a:t>Marry listing information with other market influencers such as real estate, stock market, etc.</a:t>
-            </a:r>
-          </a:p>
-        </p:txBody>
-      </p:sp>
-    </p:spTree>
-    <p:extLst>
-      <p:ext uri="{BB962C8B-B14F-4D97-AF65-F5344CB8AC3E}">
-        <p14:creationId xmlns:p14="http://schemas.microsoft.com/office/powerpoint/2010/main" val="3826034422"/>
-      </p:ext>
-    </p:extLst>
-  </p:cSld>
-  <p:clrMapOvr>
-    <a:masterClrMapping/>
-  </p:clrMapOvr>
-</p:sld>
-</file>
-
-<file path=ppt/slides/slide23.xml><?xml version="1.0" encoding="utf-8"?>
-<p:sld xmlns:a="http://schemas.openxmlformats.org/drawingml/2006/main" xmlns:r="http://schemas.openxmlformats.org/officeDocument/2006/relationships" xmlns:p="http://schemas.openxmlformats.org/presentationml/2006/main">
-  <p:cSld>
-    <p:spTree>
-      <p:nvGrpSpPr>
-        <p:cNvPr id="1" name=""/>
-        <p:cNvGrpSpPr/>
-        <p:nvPr/>
-      </p:nvGrpSpPr>
-      <p:grpSpPr>
-        <a:xfrm>
-          <a:off x="0" y="0"/>
-          <a:ext cx="0" cy="0"/>
-          <a:chOff x="0" y="0"/>
-          <a:chExt cx="0" cy="0"/>
-        </a:xfrm>
-      </p:grpSpPr>
-      <p:sp>
-        <p:nvSpPr>
-          <p:cNvPr id="2" name="Title 1">
-            <a:extLst>
-              <a:ext uri="{FF2B5EF4-FFF2-40B4-BE49-F238E27FC236}">
                 <a16:creationId xmlns:a16="http://schemas.microsoft.com/office/drawing/2014/main" id="{6C67568F-1921-FD56-7417-EF63A5FB4FFC}"/>
               </a:ext>
             </a:extLst>
@@ -6918,7 +6750,7 @@
             </a:pPr>
             <a:r>
               <a:rPr lang="en-US" sz="2000" dirty="0"/>
-              <a:t>Streamlit has infinite possibilities for deploying machine learning systems.</a:t>
+              <a:t>Streamlit has infinite possibilities for deploying machine learning tools publicly.</a:t>
             </a:r>
           </a:p>
           <a:p>
@@ -6964,6 +6796,184 @@
     <p:extLst>
       <p:ext uri="{BB962C8B-B14F-4D97-AF65-F5344CB8AC3E}">
         <p14:creationId xmlns:p14="http://schemas.microsoft.com/office/powerpoint/2010/main" val="1957717148"/>
+      </p:ext>
+    </p:extLst>
+  </p:cSld>
+  <p:clrMapOvr>
+    <a:masterClrMapping/>
+  </p:clrMapOvr>
+</p:sld>
+</file>
+
+<file path=ppt/slides/slide23.xml><?xml version="1.0" encoding="utf-8"?>
+<p:sld xmlns:a="http://schemas.openxmlformats.org/drawingml/2006/main" xmlns:r="http://schemas.openxmlformats.org/officeDocument/2006/relationships" xmlns:p="http://schemas.openxmlformats.org/presentationml/2006/main">
+  <p:cSld>
+    <p:spTree>
+      <p:nvGrpSpPr>
+        <p:cNvPr id="1" name=""/>
+        <p:cNvGrpSpPr/>
+        <p:nvPr/>
+      </p:nvGrpSpPr>
+      <p:grpSpPr>
+        <a:xfrm>
+          <a:off x="0" y="0"/>
+          <a:ext cx="0" cy="0"/>
+          <a:chOff x="0" y="0"/>
+          <a:chExt cx="0" cy="0"/>
+        </a:xfrm>
+      </p:grpSpPr>
+      <p:sp>
+        <p:nvSpPr>
+          <p:cNvPr id="2" name="Title 1">
+            <a:extLst>
+              <a:ext uri="{FF2B5EF4-FFF2-40B4-BE49-F238E27FC236}">
+                <a16:creationId xmlns:a16="http://schemas.microsoft.com/office/drawing/2014/main" id="{C0D683A7-2AE6-6524-061B-C6E02E589202}"/>
+              </a:ext>
+            </a:extLst>
+          </p:cNvPr>
+          <p:cNvSpPr>
+            <a:spLocks noGrp="1"/>
+          </p:cNvSpPr>
+          <p:nvPr>
+            <p:ph type="title"/>
+          </p:nvPr>
+        </p:nvSpPr>
+        <p:spPr/>
+        <p:txBody>
+          <a:bodyPr>
+            <a:normAutofit fontScale="90000"/>
+          </a:bodyPr>
+          <a:lstStyle/>
+          <a:p>
+            <a:pPr algn="l"/>
+            <a:r>
+              <a:rPr lang="en-US" dirty="0"/>
+              <a:t>Future Research</a:t>
+            </a:r>
+          </a:p>
+        </p:txBody>
+      </p:sp>
+      <p:sp>
+        <p:nvSpPr>
+          <p:cNvPr id="3" name="Content Placeholder 2">
+            <a:extLst>
+              <a:ext uri="{FF2B5EF4-FFF2-40B4-BE49-F238E27FC236}">
+                <a16:creationId xmlns:a16="http://schemas.microsoft.com/office/drawing/2014/main" id="{9003262B-1A5B-595A-9607-BAF14ECB56C9}"/>
+              </a:ext>
+            </a:extLst>
+          </p:cNvPr>
+          <p:cNvSpPr>
+            <a:spLocks noGrp="1"/>
+          </p:cNvSpPr>
+          <p:nvPr>
+            <p:ph idx="1"/>
+          </p:nvPr>
+        </p:nvSpPr>
+        <p:spPr>
+          <a:xfrm>
+            <a:off x="457200" y="1610178"/>
+            <a:ext cx="8229600" cy="3281862"/>
+          </a:xfrm>
+        </p:spPr>
+        <p:txBody>
+          <a:bodyPr>
+            <a:normAutofit lnSpcReduction="10000"/>
+          </a:bodyPr>
+          <a:lstStyle/>
+          <a:p>
+            <a:pPr>
+              <a:buFont typeface="Wingdings" panose="05000000000000000000" pitchFamily="2" charset="2"/>
+              <a:buChar char="§"/>
+            </a:pPr>
+            <a:r>
+              <a:rPr lang="en-US" sz="1600" dirty="0"/>
+              <a:t>Successfully import </a:t>
+            </a:r>
+            <a:r>
+              <a:rPr lang="en-US" sz="1600" dirty="0" err="1"/>
+              <a:t>LGBMRegressor</a:t>
+            </a:r>
+            <a:r>
+              <a:rPr lang="en-US" sz="1600" dirty="0"/>
+              <a:t> into Streamlit. Currently the model is using linear regression due to issues with requirements.txt for Streamlit</a:t>
+            </a:r>
+          </a:p>
+          <a:p>
+            <a:pPr>
+              <a:buFont typeface="Wingdings" panose="05000000000000000000" pitchFamily="2" charset="2"/>
+              <a:buChar char="§"/>
+            </a:pPr>
+            <a:r>
+              <a:rPr lang="en-US" sz="1600" dirty="0"/>
+              <a:t>In order to make this tool useful, more data is required to make it more accurate</a:t>
+            </a:r>
+          </a:p>
+          <a:p>
+            <a:pPr lvl="1">
+              <a:buFont typeface="Wingdings" panose="05000000000000000000" pitchFamily="2" charset="2"/>
+              <a:buChar char="§"/>
+            </a:pPr>
+            <a:r>
+              <a:rPr lang="en-US" sz="1400" dirty="0"/>
+              <a:t>This dataset is missing booking rate or any type of measure of how often it is booked vs available</a:t>
+            </a:r>
+          </a:p>
+          <a:p>
+            <a:pPr lvl="1">
+              <a:buFont typeface="Wingdings" panose="05000000000000000000" pitchFamily="2" charset="2"/>
+              <a:buChar char="§"/>
+            </a:pPr>
+            <a:r>
+              <a:rPr lang="en-US" sz="1400" dirty="0"/>
+              <a:t>Research into other ML Airbnb projects revealed the need to have data that reflects grandeur. One project attained an RMSE of $20.  This would include square footage, a pretty view, height of building, floor of apartment, esthetics, etc.</a:t>
+            </a:r>
+          </a:p>
+          <a:p>
+            <a:pPr lvl="1">
+              <a:buFont typeface="Wingdings" panose="05000000000000000000" pitchFamily="2" charset="2"/>
+              <a:buChar char="§"/>
+            </a:pPr>
+            <a:r>
+              <a:rPr lang="en-US" sz="1400" dirty="0"/>
+              <a:t>Unknowns like large variations in other fees including cleaning and admin fees from Airbnb could affect accuracy of this model</a:t>
+            </a:r>
+          </a:p>
+          <a:p>
+            <a:pPr>
+              <a:buFont typeface="Wingdings" panose="05000000000000000000" pitchFamily="2" charset="2"/>
+              <a:buChar char="§"/>
+            </a:pPr>
+            <a:r>
+              <a:rPr lang="en-US" sz="1600" dirty="0"/>
+              <a:t>Add other insights to the tool that display comparable listings, a range of prices (aggressive/competitive) so that investors can tailor to their renting strategy</a:t>
+            </a:r>
+          </a:p>
+          <a:p>
+            <a:pPr>
+              <a:buFont typeface="Wingdings" panose="05000000000000000000" pitchFamily="2" charset="2"/>
+              <a:buChar char="§"/>
+            </a:pPr>
+            <a:r>
+              <a:rPr lang="en-US" sz="1600" dirty="0"/>
+              <a:t>Scrape data weekly to get most up-to-date listing information</a:t>
+            </a:r>
+          </a:p>
+          <a:p>
+            <a:pPr>
+              <a:buFont typeface="Wingdings" panose="05000000000000000000" pitchFamily="2" charset="2"/>
+              <a:buChar char="§"/>
+            </a:pPr>
+            <a:r>
+              <a:rPr lang="en-US" sz="1600" dirty="0"/>
+              <a:t>Marry listing information with other market influencers such as real estate, stock market, etc.</a:t>
+            </a:r>
+          </a:p>
+        </p:txBody>
+      </p:sp>
+    </p:spTree>
+    <p:extLst>
+      <p:ext uri="{BB962C8B-B14F-4D97-AF65-F5344CB8AC3E}">
+        <p14:creationId xmlns:p14="http://schemas.microsoft.com/office/powerpoint/2010/main" val="3826034422"/>
       </p:ext>
     </p:extLst>
   </p:cSld>
